--- a/Diapositivas/2026 0 Tema 4 Referencias bibliográficas.pptx
+++ b/Diapositivas/2026 0 Tema 4 Referencias bibliográficas.pptx
@@ -123,6 +123,79 @@
 </p:presentation>
 </file>
 
+<file path=ppt/commentAuthors.xml><?xml version="1.0" encoding="utf-8"?>
+<p:cmAuthorLst xmlns:a="http://schemas.openxmlformats.org/drawingml/2006/main" xmlns:r="http://schemas.openxmlformats.org/officeDocument/2006/relationships" xmlns:p="http://schemas.openxmlformats.org/presentationml/2006/main">
+  <p:cmAuthor id="1" name="UlisexxX" initials="U" lastIdx="5" clrIdx="0">
+    <p:extLst>
+      <p:ext uri="{19B8F6BF-5375-455C-9EA6-DF929625EA0E}">
+        <p15:presenceInfo xmlns:p15="http://schemas.microsoft.com/office/powerpoint/2012/main" userId="UlisexxX" providerId="None"/>
+      </p:ext>
+    </p:extLst>
+  </p:cmAuthor>
+</p:cmAuthorLst>
+</file>
+
+<file path=ppt/comments/comment1.xml><?xml version="1.0" encoding="utf-8"?>
+<p:cmLst xmlns:a="http://schemas.openxmlformats.org/drawingml/2006/main" xmlns:r="http://schemas.openxmlformats.org/officeDocument/2006/relationships" xmlns:p="http://schemas.openxmlformats.org/presentationml/2006/main">
+  <p:cm authorId="1" dt="2026-01-20T16:44:56.629" idx="1">
+    <p:pos x="10" y="10"/>
+    <p:text>Fuentes secundarias</p:text>
+    <p:extLst>
+      <p:ext uri="{C676402C-5697-4E1C-873F-D02D1690AC5C}">
+        <p15:threadingInfo xmlns:p15="http://schemas.microsoft.com/office/powerpoint/2012/main" timeZoneBias="300"/>
+      </p:ext>
+    </p:extLst>
+  </p:cm>
+  <p:cm authorId="1" dt="2026-01-20T16:45:35.060" idx="2">
+    <p:pos x="10" y="146"/>
+    <p:text>APA7  Articulos librosblogs</p:text>
+    <p:extLst>
+      <p:ext uri="{C676402C-5697-4E1C-873F-D02D1690AC5C}">
+        <p15:threadingInfo xmlns:p15="http://schemas.microsoft.com/office/powerpoint/2012/main" timeZoneBias="300">
+          <p15:parentCm authorId="1" idx="1"/>
+        </p15:threadingInfo>
+      </p:ext>
+    </p:extLst>
+  </p:cm>
+  <p:cm authorId="1" dt="2026-01-20T16:45:56.867" idx="3">
+    <p:pos x="10" y="282"/>
+    <p:text>streaming</p:text>
+    <p:extLst>
+      <p:ext uri="{C676402C-5697-4E1C-873F-D02D1690AC5C}">
+        <p15:threadingInfo xmlns:p15="http://schemas.microsoft.com/office/powerpoint/2012/main" timeZoneBias="300">
+          <p15:parentCm authorId="1" idx="1"/>
+        </p15:threadingInfo>
+      </p:ext>
+    </p:extLst>
+  </p:cm>
+  <p:cm authorId="1" dt="2026-01-20T16:46:58.972" idx="4">
+    <p:pos x="10" y="418"/>
+    <p:text>los documentos deben ser del 2016 en adelante, salvo los libros.</p:text>
+    <p:extLst>
+      <p:ext uri="{C676402C-5697-4E1C-873F-D02D1690AC5C}">
+        <p15:threadingInfo xmlns:p15="http://schemas.microsoft.com/office/powerpoint/2012/main" timeZoneBias="300">
+          <p15:parentCm authorId="1" idx="1"/>
+        </p15:threadingInfo>
+      </p:ext>
+    </p:extLst>
+  </p:cm>
+</p:cmLst>
+</file>
+
+<file path=ppt/comments/comment2.xml><?xml version="1.0" encoding="utf-8"?>
+<p:cmLst xmlns:a="http://schemas.openxmlformats.org/drawingml/2006/main" xmlns:r="http://schemas.openxmlformats.org/officeDocument/2006/relationships" xmlns:p="http://schemas.openxmlformats.org/presentationml/2006/main">
+  <p:cm authorId="1" dt="2026-01-20T17:04:52.523" idx="5">
+    <p:pos x="10" y="10"/>
+    <p:text>Marco teorico siempre va de lo general a lo particular, recomienda maximo 5 subtitulos o temas de marco teorico.</p:text>
+    <p:extLst>
+      <p:ext uri="{C676402C-5697-4E1C-873F-D02D1690AC5C}">
+        <p15:threadingInfo xmlns:p15="http://schemas.microsoft.com/office/powerpoint/2012/main" timeZoneBias="300"/>
+      </p:ext>
+    </p:extLst>
+  </p:cm>
+</p:cmLst>
+</file>
+
 <file path=ppt/slideLayouts/slideLayout1.xml><?xml version="1.0" encoding="utf-8"?>
 <p:sldLayout xmlns:a="http://schemas.openxmlformats.org/drawingml/2006/main" xmlns:r="http://schemas.openxmlformats.org/officeDocument/2006/relationships" xmlns:p="http://schemas.openxmlformats.org/presentationml/2006/main" showMasterSp="0" type="title" preserve="1">
   <p:cSld name="Diapositiva de título">
@@ -363,7 +436,7 @@
           <a:p>
             <a:fld id="{57FBF6DC-539E-4B2A-A21E-CEA4B38187F9}" type="datetimeFigureOut">
               <a:rPr lang="es-PE" smtClean="0"/>
-              <a:t>19/01/2026</a:t>
+              <a:t>20/01/2026</a:t>
             </a:fld>
             <a:endParaRPr lang="es-PE"/>
           </a:p>
@@ -571,7 +644,7 @@
           <a:p>
             <a:fld id="{57FBF6DC-539E-4B2A-A21E-CEA4B38187F9}" type="datetimeFigureOut">
               <a:rPr lang="es-PE" smtClean="0"/>
-              <a:t>19/01/2026</a:t>
+              <a:t>20/01/2026</a:t>
             </a:fld>
             <a:endParaRPr lang="es-PE"/>
           </a:p>
@@ -827,7 +900,7 @@
           <a:p>
             <a:fld id="{57FBF6DC-539E-4B2A-A21E-CEA4B38187F9}" type="datetimeFigureOut">
               <a:rPr lang="es-PE" smtClean="0"/>
-              <a:t>19/01/2026</a:t>
+              <a:t>20/01/2026</a:t>
             </a:fld>
             <a:endParaRPr lang="es-PE"/>
           </a:p>
@@ -1001,7 +1074,7 @@
           <a:p>
             <a:fld id="{57FBF6DC-539E-4B2A-A21E-CEA4B38187F9}" type="datetimeFigureOut">
               <a:rPr lang="es-PE" smtClean="0"/>
-              <a:t>19/01/2026</a:t>
+              <a:t>20/01/2026</a:t>
             </a:fld>
             <a:endParaRPr lang="es-PE"/>
           </a:p>
@@ -1344,7 +1417,7 @@
           <a:p>
             <a:fld id="{57FBF6DC-539E-4B2A-A21E-CEA4B38187F9}" type="datetimeFigureOut">
               <a:rPr lang="es-PE" smtClean="0"/>
-              <a:t>19/01/2026</a:t>
+              <a:t>20/01/2026</a:t>
             </a:fld>
             <a:endParaRPr lang="es-PE"/>
           </a:p>
@@ -1619,7 +1692,7 @@
           <a:p>
             <a:fld id="{57FBF6DC-539E-4B2A-A21E-CEA4B38187F9}" type="datetimeFigureOut">
               <a:rPr lang="es-PE" smtClean="0"/>
-              <a:t>19/01/2026</a:t>
+              <a:t>20/01/2026</a:t>
             </a:fld>
             <a:endParaRPr lang="es-PE"/>
           </a:p>
@@ -1998,7 +2071,7 @@
           <a:p>
             <a:fld id="{57FBF6DC-539E-4B2A-A21E-CEA4B38187F9}" type="datetimeFigureOut">
               <a:rPr lang="es-PE" smtClean="0"/>
-              <a:t>19/01/2026</a:t>
+              <a:t>20/01/2026</a:t>
             </a:fld>
             <a:endParaRPr lang="es-PE"/>
           </a:p>
@@ -2116,7 +2189,7 @@
           <a:p>
             <a:fld id="{57FBF6DC-539E-4B2A-A21E-CEA4B38187F9}" type="datetimeFigureOut">
               <a:rPr lang="es-PE" smtClean="0"/>
-              <a:t>19/01/2026</a:t>
+              <a:t>20/01/2026</a:t>
             </a:fld>
             <a:endParaRPr lang="es-PE"/>
           </a:p>
@@ -2287,7 +2360,7 @@
           <a:p>
             <a:fld id="{57FBF6DC-539E-4B2A-A21E-CEA4B38187F9}" type="datetimeFigureOut">
               <a:rPr lang="es-PE" smtClean="0"/>
-              <a:t>19/01/2026</a:t>
+              <a:t>20/01/2026</a:t>
             </a:fld>
             <a:endParaRPr lang="es-PE"/>
           </a:p>
@@ -2641,7 +2714,7 @@
           <a:p>
             <a:fld id="{57FBF6DC-539E-4B2A-A21E-CEA4B38187F9}" type="datetimeFigureOut">
               <a:rPr lang="es-PE" smtClean="0"/>
-              <a:t>19/01/2026</a:t>
+              <a:t>20/01/2026</a:t>
             </a:fld>
             <a:endParaRPr lang="es-PE"/>
           </a:p>
@@ -3023,7 +3096,7 @@
           <a:p>
             <a:fld id="{57FBF6DC-539E-4B2A-A21E-CEA4B38187F9}" type="datetimeFigureOut">
               <a:rPr lang="es-PE" smtClean="0"/>
-              <a:t>19/01/2026</a:t>
+              <a:t>20/01/2026</a:t>
             </a:fld>
             <a:endParaRPr lang="es-PE"/>
           </a:p>
@@ -3324,7 +3397,7 @@
           <a:p>
             <a:fld id="{57FBF6DC-539E-4B2A-A21E-CEA4B38187F9}" type="datetimeFigureOut">
               <a:rPr lang="es-PE" smtClean="0"/>
-              <a:t>19/01/2026</a:t>
+              <a:t>20/01/2026</a:t>
             </a:fld>
             <a:endParaRPr lang="es-PE"/>
           </a:p>
@@ -4054,7 +4127,7 @@
         </p:spPr>
         <p:txBody>
           <a:bodyPr anchor="ctr">
-            <a:normAutofit/>
+            <a:normAutofit lnSpcReduction="10000"/>
           </a:bodyPr>
           <a:lstStyle/>
           <a:p>
@@ -4864,132 +4937,140 @@
         </p:nvSpPr>
         <p:spPr>
           <a:xfrm>
-            <a:off x="838200" y="1825625"/>
-            <a:ext cx="7391400" cy="4583058"/>
+            <a:off x="744279" y="1921318"/>
+            <a:ext cx="9218428" cy="4206341"/>
           </a:xfrm>
         </p:spPr>
         <p:txBody>
           <a:bodyPr anchor="ctr">
-            <a:normAutofit fontScale="62500" lnSpcReduction="20000"/>
+            <a:noAutofit/>
           </a:bodyPr>
           <a:lstStyle/>
           <a:p>
             <a:pPr marL="0" indent="0">
               <a:lnSpc>
-                <a:spcPct val="150000"/>
+                <a:spcPct val="100000"/>
               </a:lnSpc>
               <a:buNone/>
             </a:pPr>
             <a:r>
-              <a:rPr lang="es-PE" dirty="0"/>
+              <a:rPr lang="es-PE" sz="1600" dirty="0"/>
               <a:t>II. MARCO TEORICO</a:t>
             </a:r>
           </a:p>
           <a:p>
             <a:pPr marL="0" indent="0">
               <a:lnSpc>
-                <a:spcPct val="150000"/>
+                <a:spcPct val="100000"/>
               </a:lnSpc>
               <a:buNone/>
             </a:pPr>
             <a:r>
-              <a:rPr lang="es-PE" dirty="0"/>
+              <a:rPr lang="es-PE" sz="1600" dirty="0"/>
               <a:t>	2.1 Antecedentes</a:t>
             </a:r>
           </a:p>
           <a:p>
             <a:pPr marL="0" indent="0">
               <a:lnSpc>
-                <a:spcPct val="150000"/>
+                <a:spcPct val="100000"/>
               </a:lnSpc>
               <a:buNone/>
             </a:pPr>
             <a:r>
-              <a:rPr lang="es-PE" dirty="0"/>
+              <a:rPr lang="es-PE" sz="1600" dirty="0"/>
               <a:t>	2.2 Marco teórico</a:t>
             </a:r>
           </a:p>
           <a:p>
             <a:pPr marL="0" indent="0">
               <a:lnSpc>
-                <a:spcPct val="150000"/>
+                <a:spcPct val="100000"/>
               </a:lnSpc>
               <a:buNone/>
             </a:pPr>
             <a:r>
-              <a:rPr lang="es-PE" dirty="0"/>
+              <a:rPr lang="es-PE" sz="1600" dirty="0"/>
               <a:t>		2.2.1 Mercado de capitales peruano</a:t>
             </a:r>
           </a:p>
           <a:p>
             <a:pPr marL="0" indent="0">
               <a:lnSpc>
-                <a:spcPct val="150000"/>
+                <a:spcPct val="100000"/>
               </a:lnSpc>
               <a:buNone/>
             </a:pPr>
             <a:r>
-              <a:rPr lang="es-PE" dirty="0"/>
+              <a:rPr lang="es-PE" sz="1600" dirty="0"/>
               <a:t>		2.2.2 Fondos de fondos</a:t>
             </a:r>
           </a:p>
           <a:p>
             <a:pPr marL="0" indent="0">
               <a:lnSpc>
-                <a:spcPct val="150000"/>
+                <a:spcPct val="100000"/>
               </a:lnSpc>
               <a:buNone/>
             </a:pPr>
             <a:r>
-              <a:rPr lang="es-PE" dirty="0"/>
+              <a:rPr lang="es-PE" sz="1600" dirty="0"/>
               <a:t>		2.2.3 Fondos de Fondos en el periodo COVID 19</a:t>
+            </a:r>
+          </a:p>
+          <a:p>
+            <a:pPr marL="0" indent="0" algn="just">
+              <a:lnSpc>
+                <a:spcPct val="100000"/>
+              </a:lnSpc>
+              <a:buNone/>
+            </a:pPr>
+            <a:r>
+              <a:rPr lang="es-PE" sz="1600" dirty="0"/>
+              <a:t>		2.2.4 Experiencias de los fondos de </a:t>
+            </a:r>
+            <a:r>
+              <a:rPr lang="es-PE" sz="1800" dirty="0"/>
+              <a:t>fondos</a:t>
+            </a:r>
+            <a:r>
+              <a:rPr lang="es-PE" sz="1600" dirty="0"/>
+              <a:t> en Latinoamérica</a:t>
             </a:r>
           </a:p>
           <a:p>
             <a:pPr marL="0" indent="0">
               <a:lnSpc>
-                <a:spcPct val="150000"/>
+                <a:spcPct val="100000"/>
               </a:lnSpc>
               <a:buNone/>
             </a:pPr>
             <a:r>
-              <a:rPr lang="es-PE" dirty="0"/>
-              <a:t>		2.2.4 Experiencias de los fondos de fondos en Latinoamérica</a:t>
+              <a:rPr lang="es-PE" sz="1600" dirty="0"/>
+              <a:t>		2.2.5 Organismos reguladores de los fondos de fondos</a:t>
             </a:r>
           </a:p>
           <a:p>
             <a:pPr marL="0" indent="0">
               <a:lnSpc>
-                <a:spcPct val="150000"/>
+                <a:spcPct val="100000"/>
               </a:lnSpc>
               <a:buNone/>
             </a:pPr>
             <a:r>
-              <a:rPr lang="es-PE" dirty="0"/>
-              <a:t>		2.2.5 Organismos reguladores de los fondos de fondos</a:t>
+              <a:rPr lang="es-PE" sz="1600" dirty="0"/>
+              <a:t>	2.2 Marco conceptual </a:t>
             </a:r>
           </a:p>
           <a:p>
             <a:pPr marL="0" indent="0">
               <a:lnSpc>
-                <a:spcPct val="150000"/>
+                <a:spcPct val="100000"/>
               </a:lnSpc>
               <a:buNone/>
             </a:pPr>
             <a:r>
-              <a:rPr lang="es-PE" dirty="0"/>
-              <a:t>	2.2 Marco conceptual </a:t>
-            </a:r>
-          </a:p>
-          <a:p>
-            <a:pPr marL="0" indent="0">
-              <a:lnSpc>
-                <a:spcPct val="150000"/>
-              </a:lnSpc>
-              <a:buNone/>
-            </a:pPr>
-            <a:r>
-              <a:rPr lang="es-PE" dirty="0"/>
+              <a:rPr lang="es-PE" sz="1600" dirty="0"/>
               <a:t>		(relación de conceptos, definiciones de conceptos y reconocimiento del autor)</a:t>
             </a:r>
           </a:p>
@@ -5009,7 +5090,7 @@
         </p:nvSpPr>
         <p:spPr>
           <a:xfrm>
-            <a:off x="7899187" y="3496235"/>
+            <a:off x="9632025" y="3049668"/>
             <a:ext cx="245889" cy="2535731"/>
           </a:xfrm>
           <a:prstGeom prst="rightBrace">
@@ -5053,7 +5134,7 @@
         </p:nvSpPr>
         <p:spPr>
           <a:xfrm>
-            <a:off x="8644538" y="4625788"/>
+            <a:off x="9877914" y="4117769"/>
             <a:ext cx="1721223" cy="646331"/>
           </a:xfrm>
           <a:prstGeom prst="rect">
@@ -5930,7 +6011,7 @@
         </p:spPr>
         <p:txBody>
           <a:bodyPr anchor="ctr">
-            <a:normAutofit/>
+            <a:normAutofit lnSpcReduction="10000"/>
           </a:bodyPr>
           <a:lstStyle/>
           <a:p>
@@ -6099,7 +6180,7 @@
         </p:spPr>
         <p:txBody>
           <a:bodyPr anchor="ctr">
-            <a:normAutofit fontScale="92500" lnSpcReduction="10000"/>
+            <a:normAutofit fontScale="92500" lnSpcReduction="20000"/>
           </a:bodyPr>
           <a:lstStyle/>
           <a:p>
